--- a/GameProject/すみませんASOゲームショウまでに間に合いませんでした.pptx
+++ b/GameProject/すみませんASOゲームショウまでに間に合いませんでした.pptx
@@ -26,6 +26,9 @@
     <p:sldId id="274" r:id="rId20"/>
     <p:sldId id="276" r:id="rId21"/>
     <p:sldId id="275" r:id="rId22"/>
+    <p:sldId id="277" r:id="rId23"/>
+    <p:sldId id="279" r:id="rId24"/>
+    <p:sldId id="278" r:id="rId25"/>
   </p:sldIdLst>
   <p:sldSz cx="12192000" cy="6858000"/>
   <p:notesSz cx="6858000" cy="9144000"/>
@@ -18244,6 +18247,2242 @@
 </p:sld>
 </file>
 
+<file path=ppt/slides/slide22.xml><?xml version="1.0" encoding="utf-8"?>
+<p:sld xmlns:a="http://schemas.openxmlformats.org/drawingml/2006/main" xmlns:r="http://schemas.openxmlformats.org/officeDocument/2006/relationships" xmlns:p="http://schemas.openxmlformats.org/presentationml/2006/main">
+  <p:cSld>
+    <p:spTree>
+      <p:nvGrpSpPr>
+        <p:cNvPr id="1" name=""/>
+        <p:cNvGrpSpPr/>
+        <p:nvPr/>
+      </p:nvGrpSpPr>
+      <p:grpSpPr>
+        <a:xfrm>
+          <a:off x="0" y="0"/>
+          <a:ext cx="0" cy="0"/>
+          <a:chOff x="0" y="0"/>
+          <a:chExt cx="0" cy="0"/>
+        </a:xfrm>
+      </p:grpSpPr>
+      <p:sp>
+        <p:nvSpPr>
+          <p:cNvPr id="44" name="Rectangle 43"/>
+          <p:cNvSpPr/>
+          <p:nvPr/>
+        </p:nvSpPr>
+        <p:spPr>
+          <a:xfrm>
+            <a:off x="4147001" y="3347014"/>
+            <a:ext cx="1412506" cy="2537524"/>
+          </a:xfrm>
+          <a:prstGeom prst="rect">
+            <a:avLst/>
+          </a:prstGeom>
+          <a:solidFill>
+            <a:srgbClr val="92D050"/>
+          </a:solidFill>
+        </p:spPr>
+        <p:style>
+          <a:lnRef idx="2">
+            <a:schemeClr val="accent1">
+              <a:shade val="50000"/>
+            </a:schemeClr>
+          </a:lnRef>
+          <a:fillRef idx="1">
+            <a:schemeClr val="accent1"/>
+          </a:fillRef>
+          <a:effectRef idx="0">
+            <a:schemeClr val="accent1"/>
+          </a:effectRef>
+          <a:fontRef idx="minor">
+            <a:schemeClr val="lt1"/>
+          </a:fontRef>
+        </p:style>
+        <p:txBody>
+          <a:bodyPr rtlCol="0" anchor="ctr"/>
+          <a:lstStyle/>
+          <a:p>
+            <a:pPr algn="ctr"/>
+            <a:endParaRPr lang="en-US"/>
+          </a:p>
+        </p:txBody>
+      </p:sp>
+      <p:sp>
+        <p:nvSpPr>
+          <p:cNvPr id="16" name="Rectangle 15"/>
+          <p:cNvSpPr/>
+          <p:nvPr/>
+        </p:nvSpPr>
+        <p:spPr>
+          <a:xfrm>
+            <a:off x="2663687" y="63811"/>
+            <a:ext cx="6520070" cy="1844502"/>
+          </a:xfrm>
+          <a:prstGeom prst="rect">
+            <a:avLst/>
+          </a:prstGeom>
+        </p:spPr>
+        <p:style>
+          <a:lnRef idx="2">
+            <a:schemeClr val="accent1">
+              <a:shade val="50000"/>
+            </a:schemeClr>
+          </a:lnRef>
+          <a:fillRef idx="1">
+            <a:schemeClr val="accent1"/>
+          </a:fillRef>
+          <a:effectRef idx="0">
+            <a:schemeClr val="accent1"/>
+          </a:effectRef>
+          <a:fontRef idx="minor">
+            <a:schemeClr val="lt1"/>
+          </a:fontRef>
+        </p:style>
+        <p:txBody>
+          <a:bodyPr rtlCol="0" anchor="ctr"/>
+          <a:lstStyle/>
+          <a:p>
+            <a:pPr algn="ctr"/>
+            <a:endParaRPr lang="en-US" dirty="0"/>
+          </a:p>
+        </p:txBody>
+      </p:sp>
+      <p:sp>
+        <p:nvSpPr>
+          <p:cNvPr id="4" name="TextBox 3"/>
+          <p:cNvSpPr txBox="1"/>
+          <p:nvPr/>
+        </p:nvSpPr>
+        <p:spPr>
+          <a:xfrm>
+            <a:off x="3101010" y="220243"/>
+            <a:ext cx="824947" cy="369332"/>
+          </a:xfrm>
+          <a:prstGeom prst="rect">
+            <a:avLst/>
+          </a:prstGeom>
+          <a:solidFill>
+            <a:srgbClr val="FF0000"/>
+          </a:solidFill>
+        </p:spPr>
+        <p:txBody>
+          <a:bodyPr wrap="square" rtlCol="0">
+            <a:spAutoFit/>
+          </a:bodyPr>
+          <a:lstStyle/>
+          <a:p>
+            <a:r>
+              <a:rPr lang="en-US" dirty="0" smtClean="0"/>
+              <a:t>Object</a:t>
+            </a:r>
+          </a:p>
+        </p:txBody>
+      </p:sp>
+      <p:sp>
+        <p:nvSpPr>
+          <p:cNvPr id="5" name="TextBox 4"/>
+          <p:cNvSpPr txBox="1"/>
+          <p:nvPr/>
+        </p:nvSpPr>
+        <p:spPr>
+          <a:xfrm>
+            <a:off x="812678" y="2217170"/>
+            <a:ext cx="914400" cy="369332"/>
+          </a:xfrm>
+          <a:prstGeom prst="rect">
+            <a:avLst/>
+          </a:prstGeom>
+          <a:solidFill>
+            <a:srgbClr val="FFC000"/>
+          </a:solidFill>
+        </p:spPr>
+        <p:txBody>
+          <a:bodyPr wrap="square" rtlCol="0">
+            <a:spAutoFit/>
+          </a:bodyPr>
+          <a:lstStyle/>
+          <a:p>
+            <a:r>
+              <a:rPr lang="en-US" dirty="0" smtClean="0"/>
+              <a:t>Player</a:t>
+            </a:r>
+            <a:endParaRPr lang="en-US" dirty="0"/>
+          </a:p>
+        </p:txBody>
+      </p:sp>
+      <p:sp>
+        <p:nvSpPr>
+          <p:cNvPr id="6" name="TextBox 5"/>
+          <p:cNvSpPr txBox="1"/>
+          <p:nvPr/>
+        </p:nvSpPr>
+        <p:spPr>
+          <a:xfrm>
+            <a:off x="4495336" y="2092979"/>
+            <a:ext cx="318051" cy="369332"/>
+          </a:xfrm>
+          <a:prstGeom prst="rect">
+            <a:avLst/>
+          </a:prstGeom>
+          <a:solidFill>
+            <a:srgbClr val="FFC000"/>
+          </a:solidFill>
+        </p:spPr>
+        <p:txBody>
+          <a:bodyPr wrap="square" rtlCol="0">
+            <a:spAutoFit/>
+          </a:bodyPr>
+          <a:lstStyle/>
+          <a:p>
+            <a:r>
+              <a:rPr lang="ja-JP" altLang="en-US" dirty="0"/>
+              <a:t>敵</a:t>
+            </a:r>
+            <a:endParaRPr lang="en-US" dirty="0"/>
+          </a:p>
+        </p:txBody>
+      </p:sp>
+      <p:sp>
+        <p:nvSpPr>
+          <p:cNvPr id="7" name="TextBox 6"/>
+          <p:cNvSpPr txBox="1"/>
+          <p:nvPr/>
+        </p:nvSpPr>
+        <p:spPr>
+          <a:xfrm>
+            <a:off x="7315199" y="2261943"/>
+            <a:ext cx="1182756" cy="369332"/>
+          </a:xfrm>
+          <a:prstGeom prst="rect">
+            <a:avLst/>
+          </a:prstGeom>
+          <a:solidFill>
+            <a:srgbClr val="FFC000"/>
+          </a:solidFill>
+        </p:spPr>
+        <p:txBody>
+          <a:bodyPr wrap="square" rtlCol="0">
+            <a:spAutoFit/>
+          </a:bodyPr>
+          <a:lstStyle/>
+          <a:p>
+            <a:r>
+              <a:rPr lang="ja-JP" altLang="en-US" dirty="0" smtClean="0"/>
+              <a:t>アイテム</a:t>
+            </a:r>
+            <a:endParaRPr lang="en-US" dirty="0"/>
+          </a:p>
+        </p:txBody>
+      </p:sp>
+      <p:sp>
+        <p:nvSpPr>
+          <p:cNvPr id="8" name="TextBox 7"/>
+          <p:cNvSpPr txBox="1"/>
+          <p:nvPr/>
+        </p:nvSpPr>
+        <p:spPr>
+          <a:xfrm>
+            <a:off x="6906490" y="3775344"/>
+            <a:ext cx="904461" cy="366165"/>
+          </a:xfrm>
+          <a:prstGeom prst="rect">
+            <a:avLst/>
+          </a:prstGeom>
+          <a:noFill/>
+        </p:spPr>
+        <p:txBody>
+          <a:bodyPr wrap="square" rtlCol="0">
+            <a:spAutoFit/>
+          </a:bodyPr>
+          <a:lstStyle/>
+          <a:p>
+            <a:r>
+              <a:rPr lang="en-US" dirty="0" smtClean="0"/>
+              <a:t>Bullet</a:t>
+            </a:r>
+            <a:endParaRPr lang="en-US" dirty="0"/>
+          </a:p>
+        </p:txBody>
+      </p:sp>
+      <p:sp>
+        <p:nvSpPr>
+          <p:cNvPr id="10" name="TextBox 9"/>
+          <p:cNvSpPr txBox="1"/>
+          <p:nvPr/>
+        </p:nvSpPr>
+        <p:spPr>
+          <a:xfrm>
+            <a:off x="4363280" y="63811"/>
+            <a:ext cx="1510746" cy="369332"/>
+          </a:xfrm>
+          <a:prstGeom prst="rect">
+            <a:avLst/>
+          </a:prstGeom>
+          <a:noFill/>
+        </p:spPr>
+        <p:txBody>
+          <a:bodyPr wrap="square" rtlCol="0">
+            <a:spAutoFit/>
+          </a:bodyPr>
+          <a:lstStyle/>
+          <a:p>
+            <a:r>
+              <a:rPr lang="en-US" b="1" dirty="0" smtClean="0">
+                <a:solidFill>
+                  <a:schemeClr val="bg1"/>
+                </a:solidFill>
+              </a:rPr>
+              <a:t>HP</a:t>
+            </a:r>
+            <a:r>
+              <a:rPr lang="en-US" dirty="0" smtClean="0">
+                <a:solidFill>
+                  <a:schemeClr val="bg1"/>
+                </a:solidFill>
+              </a:rPr>
+              <a:t>:</a:t>
+            </a:r>
+            <a:r>
+              <a:rPr lang="ja-JP" altLang="en-US" dirty="0">
+                <a:solidFill>
+                  <a:schemeClr val="bg1"/>
+                </a:solidFill>
+              </a:rPr>
+              <a:t>仮想関数</a:t>
+            </a:r>
+            <a:endParaRPr lang="en-US" dirty="0" smtClean="0">
+              <a:solidFill>
+                <a:schemeClr val="bg1"/>
+              </a:solidFill>
+            </a:endParaRPr>
+          </a:p>
+        </p:txBody>
+      </p:sp>
+      <p:sp>
+        <p:nvSpPr>
+          <p:cNvPr id="13" name="TextBox 12"/>
+          <p:cNvSpPr txBox="1"/>
+          <p:nvPr/>
+        </p:nvSpPr>
+        <p:spPr>
+          <a:xfrm>
+            <a:off x="4363280" y="433143"/>
+            <a:ext cx="1669772" cy="369332"/>
+          </a:xfrm>
+          <a:prstGeom prst="rect">
+            <a:avLst/>
+          </a:prstGeom>
+          <a:noFill/>
+        </p:spPr>
+        <p:txBody>
+          <a:bodyPr wrap="square" rtlCol="0">
+            <a:spAutoFit/>
+          </a:bodyPr>
+          <a:lstStyle/>
+          <a:p>
+            <a:r>
+              <a:rPr lang="en-US" b="1" dirty="0" smtClean="0">
+                <a:solidFill>
+                  <a:schemeClr val="bg1"/>
+                </a:solidFill>
+              </a:rPr>
+              <a:t>Size</a:t>
+            </a:r>
+            <a:r>
+              <a:rPr lang="en-US" dirty="0" smtClean="0">
+                <a:solidFill>
+                  <a:schemeClr val="bg1"/>
+                </a:solidFill>
+              </a:rPr>
+              <a:t>:</a:t>
+            </a:r>
+            <a:r>
+              <a:rPr lang="ja-JP" altLang="en-US" dirty="0" smtClean="0">
+                <a:solidFill>
+                  <a:schemeClr val="bg1"/>
+                </a:solidFill>
+              </a:rPr>
+              <a:t>仮</a:t>
+            </a:r>
+            <a:r>
+              <a:rPr lang="ja-JP" altLang="en-US" dirty="0">
+                <a:solidFill>
+                  <a:schemeClr val="bg1"/>
+                </a:solidFill>
+              </a:rPr>
+              <a:t>想関数</a:t>
+            </a:r>
+            <a:endParaRPr lang="en-US" dirty="0" smtClean="0">
+              <a:solidFill>
+                <a:schemeClr val="bg1"/>
+              </a:solidFill>
+            </a:endParaRPr>
+          </a:p>
+        </p:txBody>
+      </p:sp>
+      <p:sp>
+        <p:nvSpPr>
+          <p:cNvPr id="14" name="TextBox 13"/>
+          <p:cNvSpPr txBox="1"/>
+          <p:nvPr/>
+        </p:nvSpPr>
+        <p:spPr>
+          <a:xfrm>
+            <a:off x="4363280" y="793545"/>
+            <a:ext cx="1053547" cy="369332"/>
+          </a:xfrm>
+          <a:prstGeom prst="rect">
+            <a:avLst/>
+          </a:prstGeom>
+          <a:noFill/>
+        </p:spPr>
+        <p:txBody>
+          <a:bodyPr wrap="square" rtlCol="0">
+            <a:spAutoFit/>
+          </a:bodyPr>
+          <a:lstStyle/>
+          <a:p>
+            <a:r>
+              <a:rPr lang="ja-JP" altLang="en-US" b="1" dirty="0" smtClean="0">
+                <a:solidFill>
+                  <a:schemeClr val="bg1"/>
+                </a:solidFill>
+              </a:rPr>
+              <a:t>座標</a:t>
+            </a:r>
+            <a:endParaRPr lang="en-US" b="1" dirty="0">
+              <a:solidFill>
+                <a:schemeClr val="bg1"/>
+              </a:solidFill>
+            </a:endParaRPr>
+          </a:p>
+        </p:txBody>
+      </p:sp>
+      <p:sp>
+        <p:nvSpPr>
+          <p:cNvPr id="15" name="TextBox 14"/>
+          <p:cNvSpPr txBox="1"/>
+          <p:nvPr/>
+        </p:nvSpPr>
+        <p:spPr>
+          <a:xfrm>
+            <a:off x="4363280" y="1153947"/>
+            <a:ext cx="1341782" cy="369332"/>
+          </a:xfrm>
+          <a:prstGeom prst="rect">
+            <a:avLst/>
+          </a:prstGeom>
+          <a:noFill/>
+        </p:spPr>
+        <p:txBody>
+          <a:bodyPr wrap="square" rtlCol="0">
+            <a:spAutoFit/>
+          </a:bodyPr>
+          <a:lstStyle/>
+          <a:p>
+            <a:r>
+              <a:rPr lang="en-US" b="1" dirty="0" smtClean="0">
+                <a:solidFill>
+                  <a:schemeClr val="bg1"/>
+                </a:solidFill>
+              </a:rPr>
+              <a:t>Animation</a:t>
+            </a:r>
+            <a:endParaRPr lang="en-US" b="1" dirty="0">
+              <a:solidFill>
+                <a:schemeClr val="bg1"/>
+              </a:solidFill>
+            </a:endParaRPr>
+          </a:p>
+        </p:txBody>
+      </p:sp>
+      <p:sp>
+        <p:nvSpPr>
+          <p:cNvPr id="17" name="TextBox 16"/>
+          <p:cNvSpPr txBox="1"/>
+          <p:nvPr/>
+        </p:nvSpPr>
+        <p:spPr>
+          <a:xfrm>
+            <a:off x="4389780" y="2592135"/>
+            <a:ext cx="707570" cy="369332"/>
+          </a:xfrm>
+          <a:prstGeom prst="rect">
+            <a:avLst/>
+          </a:prstGeom>
+          <a:noFill/>
+        </p:spPr>
+        <p:txBody>
+          <a:bodyPr wrap="square" rtlCol="0">
+            <a:spAutoFit/>
+          </a:bodyPr>
+          <a:lstStyle/>
+          <a:p>
+            <a:r>
+              <a:rPr lang="en-US" dirty="0" smtClean="0"/>
+              <a:t>HP</a:t>
+            </a:r>
+            <a:endParaRPr lang="en-US" dirty="0"/>
+          </a:p>
+        </p:txBody>
+      </p:sp>
+      <p:sp>
+        <p:nvSpPr>
+          <p:cNvPr id="18" name="TextBox 17"/>
+          <p:cNvSpPr txBox="1"/>
+          <p:nvPr/>
+        </p:nvSpPr>
+        <p:spPr>
+          <a:xfrm>
+            <a:off x="4171399" y="3497029"/>
+            <a:ext cx="1660984" cy="400110"/>
+          </a:xfrm>
+          <a:prstGeom prst="rect">
+            <a:avLst/>
+          </a:prstGeom>
+          <a:noFill/>
+        </p:spPr>
+        <p:txBody>
+          <a:bodyPr wrap="square" rtlCol="0">
+            <a:spAutoFit/>
+          </a:bodyPr>
+          <a:lstStyle/>
+          <a:p>
+            <a:r>
+              <a:rPr lang="en-US" sz="2000" b="1" dirty="0" smtClean="0"/>
+              <a:t>Move state</a:t>
+            </a:r>
+            <a:endParaRPr lang="en-US" sz="2000" b="1" dirty="0"/>
+          </a:p>
+        </p:txBody>
+      </p:sp>
+      <p:grpSp>
+        <p:nvGrpSpPr>
+          <p:cNvPr id="35" name="Group 34"/>
+          <p:cNvGrpSpPr/>
+          <p:nvPr/>
+        </p:nvGrpSpPr>
+        <p:grpSpPr>
+          <a:xfrm>
+            <a:off x="2299407" y="3347014"/>
+            <a:ext cx="1674675" cy="2554356"/>
+            <a:chOff x="1680106" y="3717451"/>
+            <a:chExt cx="1674675" cy="2554356"/>
+          </a:xfrm>
+        </p:grpSpPr>
+        <p:sp>
+          <p:nvSpPr>
+            <p:cNvPr id="27" name="Rectangle 26"/>
+            <p:cNvSpPr/>
+            <p:nvPr/>
+          </p:nvSpPr>
+          <p:spPr>
+            <a:xfrm>
+              <a:off x="1680106" y="3717451"/>
+              <a:ext cx="1530625" cy="2554356"/>
+            </a:xfrm>
+            <a:prstGeom prst="rect">
+              <a:avLst/>
+            </a:prstGeom>
+            <a:solidFill>
+              <a:srgbClr val="FFFF00"/>
+            </a:solidFill>
+          </p:spPr>
+          <p:style>
+            <a:lnRef idx="2">
+              <a:schemeClr val="accent1">
+                <a:shade val="50000"/>
+              </a:schemeClr>
+            </a:lnRef>
+            <a:fillRef idx="1">
+              <a:schemeClr val="accent1"/>
+            </a:fillRef>
+            <a:effectRef idx="0">
+              <a:schemeClr val="accent1"/>
+            </a:effectRef>
+            <a:fontRef idx="minor">
+              <a:schemeClr val="lt1"/>
+            </a:fontRef>
+          </p:style>
+          <p:txBody>
+            <a:bodyPr rtlCol="0" anchor="ctr"/>
+            <a:lstStyle/>
+            <a:p>
+              <a:pPr algn="ctr"/>
+              <a:endParaRPr lang="en-US" dirty="0"/>
+            </a:p>
+          </p:txBody>
+        </p:sp>
+        <p:sp>
+          <p:nvSpPr>
+            <p:cNvPr id="28" name="TextBox 27"/>
+            <p:cNvSpPr txBox="1"/>
+            <p:nvPr/>
+          </p:nvSpPr>
+          <p:spPr>
+            <a:xfrm>
+              <a:off x="1680106" y="3717452"/>
+              <a:ext cx="1311964" cy="400110"/>
+            </a:xfrm>
+            <a:prstGeom prst="rect">
+              <a:avLst/>
+            </a:prstGeom>
+            <a:noFill/>
+          </p:spPr>
+          <p:txBody>
+            <a:bodyPr wrap="square" rtlCol="0">
+              <a:spAutoFit/>
+            </a:bodyPr>
+            <a:lstStyle/>
+            <a:p>
+              <a:r>
+                <a:rPr lang="en-US" sz="2000" b="1" dirty="0" smtClean="0"/>
+                <a:t>Body state</a:t>
+              </a:r>
+              <a:endParaRPr lang="en-US" sz="2000" b="1" dirty="0"/>
+            </a:p>
+          </p:txBody>
+        </p:sp>
+        <p:sp>
+          <p:nvSpPr>
+            <p:cNvPr id="29" name="TextBox 28"/>
+            <p:cNvSpPr txBox="1"/>
+            <p:nvPr/>
+          </p:nvSpPr>
+          <p:spPr>
+            <a:xfrm>
+              <a:off x="1943213" y="4543192"/>
+              <a:ext cx="964096" cy="367748"/>
+            </a:xfrm>
+            <a:prstGeom prst="rect">
+              <a:avLst/>
+            </a:prstGeom>
+            <a:noFill/>
+          </p:spPr>
+          <p:txBody>
+            <a:bodyPr wrap="square" rtlCol="0">
+              <a:spAutoFit/>
+            </a:bodyPr>
+            <a:lstStyle/>
+            <a:p>
+              <a:r>
+                <a:rPr lang="en-US" dirty="0" smtClean="0"/>
+                <a:t>Stun</a:t>
+              </a:r>
+              <a:endParaRPr lang="en-US" dirty="0"/>
+            </a:p>
+          </p:txBody>
+        </p:sp>
+        <p:sp>
+          <p:nvSpPr>
+            <p:cNvPr id="30" name="TextBox 29"/>
+            <p:cNvSpPr txBox="1"/>
+            <p:nvPr/>
+          </p:nvSpPr>
+          <p:spPr>
+            <a:xfrm>
+              <a:off x="1908705" y="4896030"/>
+              <a:ext cx="1083365" cy="369332"/>
+            </a:xfrm>
+            <a:prstGeom prst="rect">
+              <a:avLst/>
+            </a:prstGeom>
+            <a:noFill/>
+          </p:spPr>
+          <p:txBody>
+            <a:bodyPr wrap="square" rtlCol="0">
+              <a:spAutoFit/>
+            </a:bodyPr>
+            <a:lstStyle/>
+            <a:p>
+              <a:r>
+                <a:rPr lang="en-US" dirty="0" smtClean="0"/>
+                <a:t>Bleeding</a:t>
+              </a:r>
+              <a:endParaRPr lang="en-US" dirty="0"/>
+            </a:p>
+          </p:txBody>
+        </p:sp>
+        <p:sp>
+          <p:nvSpPr>
+            <p:cNvPr id="31" name="TextBox 30"/>
+            <p:cNvSpPr txBox="1"/>
+            <p:nvPr/>
+          </p:nvSpPr>
+          <p:spPr>
+            <a:xfrm>
+              <a:off x="1856713" y="5197697"/>
+              <a:ext cx="1075294" cy="369332"/>
+            </a:xfrm>
+            <a:prstGeom prst="rect">
+              <a:avLst/>
+            </a:prstGeom>
+            <a:noFill/>
+          </p:spPr>
+          <p:txBody>
+            <a:bodyPr wrap="none" rtlCol="0">
+              <a:spAutoFit/>
+            </a:bodyPr>
+            <a:lstStyle/>
+            <a:p>
+              <a:r>
+                <a:rPr lang="en-US" dirty="0" smtClean="0"/>
+                <a:t>invincible</a:t>
+              </a:r>
+              <a:endParaRPr lang="en-US" dirty="0"/>
+            </a:p>
+          </p:txBody>
+        </p:sp>
+        <p:sp>
+          <p:nvSpPr>
+            <p:cNvPr id="32" name="TextBox 31"/>
+            <p:cNvSpPr txBox="1"/>
+            <p:nvPr/>
+          </p:nvSpPr>
+          <p:spPr>
+            <a:xfrm>
+              <a:off x="1888760" y="5552119"/>
+              <a:ext cx="814647" cy="369332"/>
+            </a:xfrm>
+            <a:prstGeom prst="rect">
+              <a:avLst/>
+            </a:prstGeom>
+            <a:noFill/>
+          </p:spPr>
+          <p:txBody>
+            <a:bodyPr wrap="none" rtlCol="0">
+              <a:spAutoFit/>
+            </a:bodyPr>
+            <a:lstStyle/>
+            <a:p>
+              <a:r>
+                <a:rPr lang="en-US" dirty="0" smtClean="0"/>
+                <a:t>poison</a:t>
+              </a:r>
+              <a:endParaRPr lang="en-US" dirty="0"/>
+            </a:p>
+          </p:txBody>
+        </p:sp>
+        <p:sp>
+          <p:nvSpPr>
+            <p:cNvPr id="33" name="TextBox 32"/>
+            <p:cNvSpPr txBox="1"/>
+            <p:nvPr/>
+          </p:nvSpPr>
+          <p:spPr>
+            <a:xfrm>
+              <a:off x="1992909" y="5892752"/>
+              <a:ext cx="938820" cy="369332"/>
+            </a:xfrm>
+            <a:prstGeom prst="rect">
+              <a:avLst/>
+            </a:prstGeom>
+            <a:noFill/>
+          </p:spPr>
+          <p:txBody>
+            <a:bodyPr wrap="square" rtlCol="0">
+              <a:spAutoFit/>
+            </a:bodyPr>
+            <a:lstStyle/>
+            <a:p>
+              <a:r>
+                <a:rPr lang="en-US" dirty="0" smtClean="0"/>
+                <a:t>dead</a:t>
+              </a:r>
+              <a:endParaRPr lang="en-US" dirty="0"/>
+            </a:p>
+          </p:txBody>
+        </p:sp>
+        <p:sp>
+          <p:nvSpPr>
+            <p:cNvPr id="34" name="TextBox 33"/>
+            <p:cNvSpPr txBox="1"/>
+            <p:nvPr/>
+          </p:nvSpPr>
+          <p:spPr>
+            <a:xfrm>
+              <a:off x="1888760" y="4110107"/>
+              <a:ext cx="1466021" cy="369332"/>
+            </a:xfrm>
+            <a:prstGeom prst="rect">
+              <a:avLst/>
+            </a:prstGeom>
+            <a:noFill/>
+          </p:spPr>
+          <p:txBody>
+            <a:bodyPr wrap="square" rtlCol="0">
+              <a:spAutoFit/>
+            </a:bodyPr>
+            <a:lstStyle/>
+            <a:p>
+              <a:r>
+                <a:rPr lang="en-US" dirty="0" smtClean="0"/>
+                <a:t>normal</a:t>
+              </a:r>
+              <a:endParaRPr lang="en-US" dirty="0"/>
+            </a:p>
+          </p:txBody>
+        </p:sp>
+      </p:grpSp>
+      <p:sp>
+        <p:nvSpPr>
+          <p:cNvPr id="37" name="TextBox 36"/>
+          <p:cNvSpPr txBox="1"/>
+          <p:nvPr/>
+        </p:nvSpPr>
+        <p:spPr>
+          <a:xfrm>
+            <a:off x="4476484" y="3748158"/>
+            <a:ext cx="753540" cy="369332"/>
+          </a:xfrm>
+          <a:prstGeom prst="rect">
+            <a:avLst/>
+          </a:prstGeom>
+          <a:noFill/>
+        </p:spPr>
+        <p:txBody>
+          <a:bodyPr wrap="none" rtlCol="0">
+            <a:spAutoFit/>
+          </a:bodyPr>
+          <a:lstStyle/>
+          <a:p>
+            <a:r>
+              <a:rPr lang="en-US" dirty="0" smtClean="0"/>
+              <a:t>attack</a:t>
+            </a:r>
+            <a:endParaRPr lang="en-US" dirty="0"/>
+          </a:p>
+        </p:txBody>
+      </p:sp>
+      <p:sp>
+        <p:nvSpPr>
+          <p:cNvPr id="38" name="TextBox 37"/>
+          <p:cNvSpPr txBox="1"/>
+          <p:nvPr/>
+        </p:nvSpPr>
+        <p:spPr>
+          <a:xfrm>
+            <a:off x="4492839" y="4010762"/>
+            <a:ext cx="527709" cy="369332"/>
+          </a:xfrm>
+          <a:prstGeom prst="rect">
+            <a:avLst/>
+          </a:prstGeom>
+          <a:noFill/>
+        </p:spPr>
+        <p:txBody>
+          <a:bodyPr wrap="none" rtlCol="0">
+            <a:spAutoFit/>
+          </a:bodyPr>
+          <a:lstStyle/>
+          <a:p>
+            <a:r>
+              <a:rPr lang="en-US" dirty="0" smtClean="0"/>
+              <a:t>idle</a:t>
+            </a:r>
+            <a:endParaRPr lang="en-US" dirty="0"/>
+          </a:p>
+        </p:txBody>
+      </p:sp>
+      <p:sp>
+        <p:nvSpPr>
+          <p:cNvPr id="39" name="TextBox 38"/>
+          <p:cNvSpPr txBox="1"/>
+          <p:nvPr/>
+        </p:nvSpPr>
+        <p:spPr>
+          <a:xfrm>
+            <a:off x="4485475" y="4286073"/>
+            <a:ext cx="614912" cy="369332"/>
+          </a:xfrm>
+          <a:prstGeom prst="rect">
+            <a:avLst/>
+          </a:prstGeom>
+          <a:noFill/>
+        </p:spPr>
+        <p:txBody>
+          <a:bodyPr wrap="none" rtlCol="0">
+            <a:spAutoFit/>
+          </a:bodyPr>
+          <a:lstStyle/>
+          <a:p>
+            <a:r>
+              <a:rPr lang="en-US" dirty="0" smtClean="0"/>
+              <a:t>walk</a:t>
+            </a:r>
+            <a:endParaRPr lang="en-US" dirty="0"/>
+          </a:p>
+        </p:txBody>
+      </p:sp>
+      <p:sp>
+        <p:nvSpPr>
+          <p:cNvPr id="40" name="TextBox 39"/>
+          <p:cNvSpPr txBox="1"/>
+          <p:nvPr/>
+        </p:nvSpPr>
+        <p:spPr>
+          <a:xfrm>
+            <a:off x="4488649" y="4615776"/>
+            <a:ext cx="617306" cy="369332"/>
+          </a:xfrm>
+          <a:prstGeom prst="rect">
+            <a:avLst/>
+          </a:prstGeom>
+          <a:noFill/>
+        </p:spPr>
+        <p:txBody>
+          <a:bodyPr wrap="square" rtlCol="0">
+            <a:spAutoFit/>
+          </a:bodyPr>
+          <a:lstStyle/>
+          <a:p>
+            <a:r>
+              <a:rPr lang="en-US" dirty="0" smtClean="0"/>
+              <a:t>run</a:t>
+            </a:r>
+            <a:endParaRPr lang="en-US" dirty="0"/>
+          </a:p>
+        </p:txBody>
+      </p:sp>
+      <p:sp>
+        <p:nvSpPr>
+          <p:cNvPr id="41" name="TextBox 40"/>
+          <p:cNvSpPr txBox="1"/>
+          <p:nvPr/>
+        </p:nvSpPr>
+        <p:spPr>
+          <a:xfrm>
+            <a:off x="4483081" y="4985108"/>
+            <a:ext cx="617306" cy="369332"/>
+          </a:xfrm>
+          <a:prstGeom prst="rect">
+            <a:avLst/>
+          </a:prstGeom>
+          <a:noFill/>
+        </p:spPr>
+        <p:txBody>
+          <a:bodyPr wrap="square" rtlCol="0">
+            <a:spAutoFit/>
+          </a:bodyPr>
+          <a:lstStyle/>
+          <a:p>
+            <a:r>
+              <a:rPr lang="en-US" dirty="0" smtClean="0"/>
+              <a:t>roll</a:t>
+            </a:r>
+            <a:endParaRPr lang="en-US" dirty="0"/>
+          </a:p>
+        </p:txBody>
+      </p:sp>
+      <p:sp>
+        <p:nvSpPr>
+          <p:cNvPr id="42" name="TextBox 41"/>
+          <p:cNvSpPr txBox="1"/>
+          <p:nvPr/>
+        </p:nvSpPr>
+        <p:spPr>
+          <a:xfrm>
+            <a:off x="4476484" y="5303288"/>
+            <a:ext cx="835427" cy="369332"/>
+          </a:xfrm>
+          <a:prstGeom prst="rect">
+            <a:avLst/>
+          </a:prstGeom>
+          <a:noFill/>
+        </p:spPr>
+        <p:txBody>
+          <a:bodyPr wrap="square" rtlCol="0">
+            <a:spAutoFit/>
+          </a:bodyPr>
+          <a:lstStyle/>
+          <a:p>
+            <a:r>
+              <a:rPr lang="en-US" dirty="0" smtClean="0"/>
+              <a:t>hitted</a:t>
+            </a:r>
+            <a:endParaRPr lang="en-US" dirty="0"/>
+          </a:p>
+        </p:txBody>
+      </p:sp>
+      <p:sp>
+        <p:nvSpPr>
+          <p:cNvPr id="45" name="TextBox 44"/>
+          <p:cNvSpPr txBox="1"/>
+          <p:nvPr/>
+        </p:nvSpPr>
+        <p:spPr>
+          <a:xfrm>
+            <a:off x="505475" y="2785081"/>
+            <a:ext cx="1339452" cy="369332"/>
+          </a:xfrm>
+          <a:prstGeom prst="rect">
+            <a:avLst/>
+          </a:prstGeom>
+          <a:noFill/>
+        </p:spPr>
+        <p:txBody>
+          <a:bodyPr wrap="square" rtlCol="0">
+            <a:spAutoFit/>
+          </a:bodyPr>
+          <a:lstStyle/>
+          <a:p>
+            <a:r>
+              <a:rPr lang="en-US" dirty="0" smtClean="0"/>
+              <a:t>Move Input</a:t>
+            </a:r>
+            <a:endParaRPr lang="en-US" dirty="0"/>
+          </a:p>
+        </p:txBody>
+      </p:sp>
+      <p:sp>
+        <p:nvSpPr>
+          <p:cNvPr id="46" name="TextBox 45"/>
+          <p:cNvSpPr txBox="1"/>
+          <p:nvPr/>
+        </p:nvSpPr>
+        <p:spPr>
+          <a:xfrm>
+            <a:off x="4363280" y="2954358"/>
+            <a:ext cx="881887" cy="369332"/>
+          </a:xfrm>
+          <a:prstGeom prst="rect">
+            <a:avLst/>
+          </a:prstGeom>
+          <a:noFill/>
+        </p:spPr>
+        <p:txBody>
+          <a:bodyPr wrap="square" rtlCol="0">
+            <a:spAutoFit/>
+          </a:bodyPr>
+          <a:lstStyle/>
+          <a:p>
+            <a:r>
+              <a:rPr lang="en-US" dirty="0" smtClean="0"/>
+              <a:t>AI</a:t>
+            </a:r>
+            <a:endParaRPr lang="en-US" dirty="0"/>
+          </a:p>
+        </p:txBody>
+      </p:sp>
+      <p:sp>
+        <p:nvSpPr>
+          <p:cNvPr id="47" name="Rectangle 46"/>
+          <p:cNvSpPr/>
+          <p:nvPr/>
+        </p:nvSpPr>
+        <p:spPr>
+          <a:xfrm>
+            <a:off x="6628973" y="2769692"/>
+            <a:ext cx="2262158" cy="369332"/>
+          </a:xfrm>
+          <a:prstGeom prst="rect">
+            <a:avLst/>
+          </a:prstGeom>
+        </p:spPr>
+        <p:txBody>
+          <a:bodyPr wrap="none">
+            <a:spAutoFit/>
+          </a:bodyPr>
+          <a:lstStyle/>
+          <a:p>
+            <a:r>
+              <a:rPr lang="en-US" dirty="0"/>
+              <a:t>ヒーリングアイテム</a:t>
+            </a:r>
+          </a:p>
+        </p:txBody>
+      </p:sp>
+      <p:sp>
+        <p:nvSpPr>
+          <p:cNvPr id="48" name="TextBox 47"/>
+          <p:cNvSpPr txBox="1"/>
+          <p:nvPr/>
+        </p:nvSpPr>
+        <p:spPr>
+          <a:xfrm>
+            <a:off x="6957391" y="3323690"/>
+            <a:ext cx="802661" cy="369332"/>
+          </a:xfrm>
+          <a:prstGeom prst="rect">
+            <a:avLst/>
+          </a:prstGeom>
+          <a:noFill/>
+        </p:spPr>
+        <p:txBody>
+          <a:bodyPr wrap="square" rtlCol="0">
+            <a:spAutoFit/>
+          </a:bodyPr>
+          <a:lstStyle/>
+          <a:p>
+            <a:r>
+              <a:rPr lang="ja-JP" altLang="en-US" dirty="0"/>
+              <a:t>武器</a:t>
+            </a:r>
+            <a:endParaRPr lang="en-US" dirty="0"/>
+          </a:p>
+        </p:txBody>
+      </p:sp>
+    </p:spTree>
+    <p:extLst>
+      <p:ext uri="{BB962C8B-B14F-4D97-AF65-F5344CB8AC3E}">
+        <p14:creationId xmlns:p14="http://schemas.microsoft.com/office/powerpoint/2010/main" val="3459912619"/>
+      </p:ext>
+    </p:extLst>
+  </p:cSld>
+  <p:clrMapOvr>
+    <a:masterClrMapping/>
+  </p:clrMapOvr>
+</p:sld>
+</file>
+
+<file path=ppt/slides/slide23.xml><?xml version="1.0" encoding="utf-8"?>
+<p:sld xmlns:a="http://schemas.openxmlformats.org/drawingml/2006/main" xmlns:r="http://schemas.openxmlformats.org/officeDocument/2006/relationships" xmlns:p="http://schemas.openxmlformats.org/presentationml/2006/main">
+  <p:cSld>
+    <p:spTree>
+      <p:nvGrpSpPr>
+        <p:cNvPr id="1" name=""/>
+        <p:cNvGrpSpPr/>
+        <p:nvPr/>
+      </p:nvGrpSpPr>
+      <p:grpSpPr>
+        <a:xfrm>
+          <a:off x="0" y="0"/>
+          <a:ext cx="0" cy="0"/>
+          <a:chOff x="0" y="0"/>
+          <a:chExt cx="0" cy="0"/>
+        </a:xfrm>
+      </p:grpSpPr>
+      <p:sp>
+        <p:nvSpPr>
+          <p:cNvPr id="32" name="Rectangle 31"/>
+          <p:cNvSpPr/>
+          <p:nvPr/>
+        </p:nvSpPr>
+        <p:spPr>
+          <a:xfrm>
+            <a:off x="1341783" y="2918982"/>
+            <a:ext cx="7752521" cy="2885470"/>
+          </a:xfrm>
+          <a:prstGeom prst="rect">
+            <a:avLst/>
+          </a:prstGeom>
+          <a:solidFill>
+            <a:srgbClr val="00B050"/>
+          </a:solidFill>
+          <a:ln>
+            <a:solidFill>
+              <a:schemeClr val="bg1"/>
+            </a:solidFill>
+          </a:ln>
+        </p:spPr>
+        <p:style>
+          <a:lnRef idx="2">
+            <a:schemeClr val="accent1">
+              <a:shade val="50000"/>
+            </a:schemeClr>
+          </a:lnRef>
+          <a:fillRef idx="1">
+            <a:schemeClr val="accent1"/>
+          </a:fillRef>
+          <a:effectRef idx="0">
+            <a:schemeClr val="accent1"/>
+          </a:effectRef>
+          <a:fontRef idx="minor">
+            <a:schemeClr val="lt1"/>
+          </a:fontRef>
+        </p:style>
+        <p:txBody>
+          <a:bodyPr rtlCol="0" anchor="ctr"/>
+          <a:lstStyle/>
+          <a:p>
+            <a:pPr algn="ctr"/>
+            <a:endParaRPr lang="en-US"/>
+          </a:p>
+        </p:txBody>
+      </p:sp>
+      <p:sp>
+        <p:nvSpPr>
+          <p:cNvPr id="31" name="Rectangle 30"/>
+          <p:cNvSpPr/>
+          <p:nvPr/>
+        </p:nvSpPr>
+        <p:spPr>
+          <a:xfrm>
+            <a:off x="1262270" y="369332"/>
+            <a:ext cx="7901608" cy="2549650"/>
+          </a:xfrm>
+          <a:prstGeom prst="rect">
+            <a:avLst/>
+          </a:prstGeom>
+          <a:solidFill>
+            <a:schemeClr val="bg2"/>
+          </a:solidFill>
+        </p:spPr>
+        <p:style>
+          <a:lnRef idx="2">
+            <a:schemeClr val="accent1">
+              <a:shade val="50000"/>
+            </a:schemeClr>
+          </a:lnRef>
+          <a:fillRef idx="1">
+            <a:schemeClr val="accent1"/>
+          </a:fillRef>
+          <a:effectRef idx="0">
+            <a:schemeClr val="accent1"/>
+          </a:effectRef>
+          <a:fontRef idx="minor">
+            <a:schemeClr val="lt1"/>
+          </a:fontRef>
+        </p:style>
+        <p:txBody>
+          <a:bodyPr rtlCol="0" anchor="ctr"/>
+          <a:lstStyle/>
+          <a:p>
+            <a:pPr algn="ctr"/>
+            <a:endParaRPr lang="en-US"/>
+          </a:p>
+        </p:txBody>
+      </p:sp>
+      <p:sp>
+        <p:nvSpPr>
+          <p:cNvPr id="4" name="TextBox 3"/>
+          <p:cNvSpPr txBox="1"/>
+          <p:nvPr/>
+        </p:nvSpPr>
+        <p:spPr>
+          <a:xfrm>
+            <a:off x="5183256" y="0"/>
+            <a:ext cx="894521" cy="369332"/>
+          </a:xfrm>
+          <a:prstGeom prst="rect">
+            <a:avLst/>
+          </a:prstGeom>
+          <a:noFill/>
+        </p:spPr>
+        <p:txBody>
+          <a:bodyPr wrap="square" rtlCol="0">
+            <a:spAutoFit/>
+          </a:bodyPr>
+          <a:lstStyle/>
+          <a:p>
+            <a:r>
+              <a:rPr lang="en-US" dirty="0" smtClean="0"/>
+              <a:t>Work</a:t>
+            </a:r>
+            <a:endParaRPr lang="en-US" dirty="0"/>
+          </a:p>
+        </p:txBody>
+      </p:sp>
+      <p:sp>
+        <p:nvSpPr>
+          <p:cNvPr id="5" name="TextBox 4"/>
+          <p:cNvSpPr txBox="1"/>
+          <p:nvPr/>
+        </p:nvSpPr>
+        <p:spPr>
+          <a:xfrm>
+            <a:off x="7181020" y="1370232"/>
+            <a:ext cx="1302026" cy="369332"/>
+          </a:xfrm>
+          <a:prstGeom prst="rect">
+            <a:avLst/>
+          </a:prstGeom>
+          <a:noFill/>
+        </p:spPr>
+        <p:txBody>
+          <a:bodyPr wrap="square" rtlCol="0">
+            <a:spAutoFit/>
+          </a:bodyPr>
+          <a:lstStyle/>
+          <a:p>
+            <a:r>
+              <a:rPr lang="en-US" b="1" dirty="0" smtClean="0"/>
+              <a:t>Program</a:t>
+            </a:r>
+            <a:endParaRPr lang="en-US" b="1" dirty="0"/>
+          </a:p>
+        </p:txBody>
+      </p:sp>
+      <p:sp>
+        <p:nvSpPr>
+          <p:cNvPr id="6" name="TextBox 5"/>
+          <p:cNvSpPr txBox="1"/>
+          <p:nvPr/>
+        </p:nvSpPr>
+        <p:spPr>
+          <a:xfrm>
+            <a:off x="7270472" y="3678679"/>
+            <a:ext cx="1302026" cy="369332"/>
+          </a:xfrm>
+          <a:prstGeom prst="rect">
+            <a:avLst/>
+          </a:prstGeom>
+          <a:noFill/>
+        </p:spPr>
+        <p:txBody>
+          <a:bodyPr wrap="square" rtlCol="0">
+            <a:spAutoFit/>
+          </a:bodyPr>
+          <a:lstStyle/>
+          <a:p>
+            <a:r>
+              <a:rPr lang="en-US" b="1" dirty="0" smtClean="0"/>
+              <a:t>Graphic</a:t>
+            </a:r>
+          </a:p>
+        </p:txBody>
+      </p:sp>
+      <p:sp>
+        <p:nvSpPr>
+          <p:cNvPr id="9" name="TextBox 8"/>
+          <p:cNvSpPr txBox="1"/>
+          <p:nvPr/>
+        </p:nvSpPr>
+        <p:spPr>
+          <a:xfrm>
+            <a:off x="1538078" y="497714"/>
+            <a:ext cx="1803954" cy="369332"/>
+          </a:xfrm>
+          <a:prstGeom prst="rect">
+            <a:avLst/>
+          </a:prstGeom>
+          <a:noFill/>
+        </p:spPr>
+        <p:txBody>
+          <a:bodyPr wrap="square" rtlCol="0">
+            <a:spAutoFit/>
+          </a:bodyPr>
+          <a:lstStyle/>
+          <a:p>
+            <a:r>
+              <a:rPr lang="ja-JP" altLang="en-US" dirty="0" smtClean="0"/>
+              <a:t>プレイヤ関連</a:t>
+            </a:r>
+            <a:endParaRPr lang="en-US" dirty="0"/>
+          </a:p>
+        </p:txBody>
+      </p:sp>
+      <p:sp>
+        <p:nvSpPr>
+          <p:cNvPr id="10" name="TextBox 9"/>
+          <p:cNvSpPr txBox="1"/>
+          <p:nvPr/>
+        </p:nvSpPr>
+        <p:spPr>
+          <a:xfrm>
+            <a:off x="2082246" y="867046"/>
+            <a:ext cx="2281032" cy="369332"/>
+          </a:xfrm>
+          <a:prstGeom prst="rect">
+            <a:avLst/>
+          </a:prstGeom>
+          <a:noFill/>
+        </p:spPr>
+        <p:txBody>
+          <a:bodyPr wrap="square" rtlCol="0">
+            <a:spAutoFit/>
+          </a:bodyPr>
+          <a:lstStyle/>
+          <a:p>
+            <a:r>
+              <a:rPr lang="ja-JP" altLang="en-US" dirty="0" smtClean="0"/>
+              <a:t>プレイヤアクシオン</a:t>
+            </a:r>
+            <a:endParaRPr lang="en-US" dirty="0"/>
+          </a:p>
+        </p:txBody>
+      </p:sp>
+      <p:sp>
+        <p:nvSpPr>
+          <p:cNvPr id="11" name="TextBox 10"/>
+          <p:cNvSpPr txBox="1"/>
+          <p:nvPr/>
+        </p:nvSpPr>
+        <p:spPr>
+          <a:xfrm>
+            <a:off x="2440055" y="1302657"/>
+            <a:ext cx="2281032" cy="369332"/>
+          </a:xfrm>
+          <a:prstGeom prst="rect">
+            <a:avLst/>
+          </a:prstGeom>
+          <a:noFill/>
+        </p:spPr>
+        <p:txBody>
+          <a:bodyPr wrap="square" rtlCol="0">
+            <a:spAutoFit/>
+          </a:bodyPr>
+          <a:lstStyle/>
+          <a:p>
+            <a:r>
+              <a:rPr lang="ja-JP" altLang="en-US" dirty="0" smtClean="0"/>
+              <a:t>プレイヤ移動制御</a:t>
+            </a:r>
+            <a:endParaRPr lang="en-US" dirty="0"/>
+          </a:p>
+        </p:txBody>
+      </p:sp>
+      <p:sp>
+        <p:nvSpPr>
+          <p:cNvPr id="12" name="Right Arrow 11"/>
+          <p:cNvSpPr/>
+          <p:nvPr/>
+        </p:nvSpPr>
+        <p:spPr>
+          <a:xfrm>
+            <a:off x="1774133" y="989512"/>
+            <a:ext cx="308113" cy="133135"/>
+          </a:xfrm>
+          <a:prstGeom prst="rightArrow">
+            <a:avLst/>
+          </a:prstGeom>
+        </p:spPr>
+        <p:style>
+          <a:lnRef idx="2">
+            <a:schemeClr val="accent1">
+              <a:shade val="50000"/>
+            </a:schemeClr>
+          </a:lnRef>
+          <a:fillRef idx="1">
+            <a:schemeClr val="accent1"/>
+          </a:fillRef>
+          <a:effectRef idx="0">
+            <a:schemeClr val="accent1"/>
+          </a:effectRef>
+          <a:fontRef idx="minor">
+            <a:schemeClr val="lt1"/>
+          </a:fontRef>
+        </p:style>
+        <p:txBody>
+          <a:bodyPr rtlCol="0" anchor="ctr"/>
+          <a:lstStyle/>
+          <a:p>
+            <a:pPr algn="ctr"/>
+            <a:endParaRPr lang="en-US"/>
+          </a:p>
+        </p:txBody>
+      </p:sp>
+      <p:sp>
+        <p:nvSpPr>
+          <p:cNvPr id="13" name="Right Arrow 12"/>
+          <p:cNvSpPr/>
+          <p:nvPr/>
+        </p:nvSpPr>
+        <p:spPr>
+          <a:xfrm>
+            <a:off x="2136910" y="1409772"/>
+            <a:ext cx="362780" cy="184666"/>
+          </a:xfrm>
+          <a:prstGeom prst="rightArrow">
+            <a:avLst/>
+          </a:prstGeom>
+          <a:solidFill>
+            <a:schemeClr val="accent2">
+              <a:lumMod val="75000"/>
+            </a:schemeClr>
+          </a:solidFill>
+        </p:spPr>
+        <p:style>
+          <a:lnRef idx="2">
+            <a:schemeClr val="accent1">
+              <a:shade val="50000"/>
+            </a:schemeClr>
+          </a:lnRef>
+          <a:fillRef idx="1">
+            <a:schemeClr val="accent1"/>
+          </a:fillRef>
+          <a:effectRef idx="0">
+            <a:schemeClr val="accent1"/>
+          </a:effectRef>
+          <a:fontRef idx="minor">
+            <a:schemeClr val="lt1"/>
+          </a:fontRef>
+        </p:style>
+        <p:txBody>
+          <a:bodyPr rtlCol="0" anchor="ctr"/>
+          <a:lstStyle/>
+          <a:p>
+            <a:pPr algn="ctr"/>
+            <a:endParaRPr lang="en-US"/>
+          </a:p>
+        </p:txBody>
+      </p:sp>
+      <p:sp>
+        <p:nvSpPr>
+          <p:cNvPr id="14" name="TextBox 13"/>
+          <p:cNvSpPr txBox="1"/>
+          <p:nvPr/>
+        </p:nvSpPr>
+        <p:spPr>
+          <a:xfrm>
+            <a:off x="2902224" y="1738268"/>
+            <a:ext cx="2281032" cy="369332"/>
+          </a:xfrm>
+          <a:prstGeom prst="rect">
+            <a:avLst/>
+          </a:prstGeom>
+          <a:noFill/>
+        </p:spPr>
+        <p:txBody>
+          <a:bodyPr wrap="square" rtlCol="0">
+            <a:spAutoFit/>
+          </a:bodyPr>
+          <a:lstStyle/>
+          <a:p>
+            <a:r>
+              <a:rPr lang="ja-JP" altLang="en-US" dirty="0" smtClean="0"/>
+              <a:t>プレイヤ</a:t>
+            </a:r>
+            <a:r>
+              <a:rPr lang="en-US" altLang="ja-JP" dirty="0" smtClean="0"/>
+              <a:t>8</a:t>
+            </a:r>
+            <a:r>
+              <a:rPr lang="ja-JP" altLang="en-US" dirty="0" smtClean="0"/>
+              <a:t>方向移動</a:t>
+            </a:r>
+            <a:endParaRPr lang="en-US" dirty="0"/>
+          </a:p>
+        </p:txBody>
+      </p:sp>
+      <p:sp>
+        <p:nvSpPr>
+          <p:cNvPr id="15" name="Right Arrow 14"/>
+          <p:cNvSpPr/>
+          <p:nvPr/>
+        </p:nvSpPr>
+        <p:spPr>
+          <a:xfrm>
+            <a:off x="2539446" y="1845383"/>
+            <a:ext cx="362778" cy="192139"/>
+          </a:xfrm>
+          <a:prstGeom prst="rightArrow">
+            <a:avLst/>
+          </a:prstGeom>
+          <a:solidFill>
+            <a:srgbClr val="92D050"/>
+          </a:solidFill>
+        </p:spPr>
+        <p:style>
+          <a:lnRef idx="2">
+            <a:schemeClr val="accent1">
+              <a:shade val="50000"/>
+            </a:schemeClr>
+          </a:lnRef>
+          <a:fillRef idx="1">
+            <a:schemeClr val="accent1"/>
+          </a:fillRef>
+          <a:effectRef idx="0">
+            <a:schemeClr val="accent1"/>
+          </a:effectRef>
+          <a:fontRef idx="minor">
+            <a:schemeClr val="lt1"/>
+          </a:fontRef>
+        </p:style>
+        <p:txBody>
+          <a:bodyPr rtlCol="0" anchor="ctr"/>
+          <a:lstStyle/>
+          <a:p>
+            <a:pPr algn="ctr"/>
+            <a:endParaRPr lang="en-US"/>
+          </a:p>
+        </p:txBody>
+      </p:sp>
+      <p:sp>
+        <p:nvSpPr>
+          <p:cNvPr id="17" name="TextBox 16"/>
+          <p:cNvSpPr txBox="1"/>
+          <p:nvPr/>
+        </p:nvSpPr>
+        <p:spPr>
+          <a:xfrm>
+            <a:off x="2082245" y="2918982"/>
+            <a:ext cx="2638841" cy="369332"/>
+          </a:xfrm>
+          <a:prstGeom prst="rect">
+            <a:avLst/>
+          </a:prstGeom>
+          <a:noFill/>
+        </p:spPr>
+        <p:txBody>
+          <a:bodyPr wrap="square" rtlCol="0">
+            <a:spAutoFit/>
+          </a:bodyPr>
+          <a:lstStyle/>
+          <a:p>
+            <a:r>
+              <a:rPr lang="ja-JP" altLang="en-US" dirty="0" smtClean="0"/>
+              <a:t>プレイヤ</a:t>
+            </a:r>
+            <a:r>
+              <a:rPr lang="ja-JP" altLang="en-US" dirty="0"/>
+              <a:t>グラフィック</a:t>
+            </a:r>
+            <a:endParaRPr lang="en-US" dirty="0"/>
+          </a:p>
+        </p:txBody>
+      </p:sp>
+      <p:sp>
+        <p:nvSpPr>
+          <p:cNvPr id="18" name="Right Arrow 17"/>
+          <p:cNvSpPr/>
+          <p:nvPr/>
+        </p:nvSpPr>
+        <p:spPr>
+          <a:xfrm>
+            <a:off x="1774133" y="3037080"/>
+            <a:ext cx="308113" cy="133135"/>
+          </a:xfrm>
+          <a:prstGeom prst="rightArrow">
+            <a:avLst/>
+          </a:prstGeom>
+        </p:spPr>
+        <p:style>
+          <a:lnRef idx="2">
+            <a:schemeClr val="accent1">
+              <a:shade val="50000"/>
+            </a:schemeClr>
+          </a:lnRef>
+          <a:fillRef idx="1">
+            <a:schemeClr val="accent1"/>
+          </a:fillRef>
+          <a:effectRef idx="0">
+            <a:schemeClr val="accent1"/>
+          </a:effectRef>
+          <a:fontRef idx="minor">
+            <a:schemeClr val="lt1"/>
+          </a:fontRef>
+        </p:style>
+        <p:txBody>
+          <a:bodyPr rtlCol="0" anchor="ctr"/>
+          <a:lstStyle/>
+          <a:p>
+            <a:pPr algn="ctr"/>
+            <a:endParaRPr lang="en-US"/>
+          </a:p>
+        </p:txBody>
+      </p:sp>
+      <p:sp>
+        <p:nvSpPr>
+          <p:cNvPr id="22" name="TextBox 21"/>
+          <p:cNvSpPr txBox="1"/>
+          <p:nvPr/>
+        </p:nvSpPr>
+        <p:spPr>
+          <a:xfrm>
+            <a:off x="2440055" y="3384158"/>
+            <a:ext cx="3513485" cy="369332"/>
+          </a:xfrm>
+          <a:prstGeom prst="rect">
+            <a:avLst/>
+          </a:prstGeom>
+          <a:noFill/>
+        </p:spPr>
+        <p:txBody>
+          <a:bodyPr wrap="square" rtlCol="0">
+            <a:spAutoFit/>
+          </a:bodyPr>
+          <a:lstStyle/>
+          <a:p>
+            <a:r>
+              <a:rPr lang="ja-JP" altLang="en-US" dirty="0" smtClean="0"/>
+              <a:t>プレイヤデザイン</a:t>
+            </a:r>
+            <a:endParaRPr lang="en-US" dirty="0"/>
+          </a:p>
+        </p:txBody>
+      </p:sp>
+      <p:sp>
+        <p:nvSpPr>
+          <p:cNvPr id="23" name="TextBox 22"/>
+          <p:cNvSpPr txBox="1"/>
+          <p:nvPr/>
+        </p:nvSpPr>
+        <p:spPr>
+          <a:xfrm>
+            <a:off x="2440055" y="3774251"/>
+            <a:ext cx="3513485" cy="369332"/>
+          </a:xfrm>
+          <a:prstGeom prst="rect">
+            <a:avLst/>
+          </a:prstGeom>
+          <a:noFill/>
+        </p:spPr>
+        <p:txBody>
+          <a:bodyPr wrap="square" rtlCol="0">
+            <a:spAutoFit/>
+          </a:bodyPr>
+          <a:lstStyle/>
+          <a:p>
+            <a:r>
+              <a:rPr lang="ja-JP" altLang="en-US" dirty="0" smtClean="0"/>
+              <a:t>プレイヤ</a:t>
+            </a:r>
+            <a:r>
+              <a:rPr lang="ja-JP" altLang="en-US" dirty="0"/>
+              <a:t>アニ</a:t>
+            </a:r>
+            <a:r>
+              <a:rPr lang="ja-JP" altLang="en-US" dirty="0" smtClean="0"/>
+              <a:t>メ</a:t>
+            </a:r>
+            <a:r>
+              <a:rPr lang="ja-JP" altLang="en-US" dirty="0"/>
+              <a:t>ーショ</a:t>
+            </a:r>
+            <a:r>
+              <a:rPr lang="ja-JP" altLang="en-US" dirty="0" smtClean="0"/>
+              <a:t>ン</a:t>
+            </a:r>
+            <a:endParaRPr lang="en-US" dirty="0"/>
+          </a:p>
+        </p:txBody>
+      </p:sp>
+      <p:sp>
+        <p:nvSpPr>
+          <p:cNvPr id="24" name="Right Arrow 23"/>
+          <p:cNvSpPr/>
+          <p:nvPr/>
+        </p:nvSpPr>
+        <p:spPr>
+          <a:xfrm>
+            <a:off x="2131940" y="3463474"/>
+            <a:ext cx="362780" cy="184666"/>
+          </a:xfrm>
+          <a:prstGeom prst="rightArrow">
+            <a:avLst/>
+          </a:prstGeom>
+          <a:solidFill>
+            <a:schemeClr val="accent2">
+              <a:lumMod val="75000"/>
+            </a:schemeClr>
+          </a:solidFill>
+        </p:spPr>
+        <p:style>
+          <a:lnRef idx="2">
+            <a:schemeClr val="accent1">
+              <a:shade val="50000"/>
+            </a:schemeClr>
+          </a:lnRef>
+          <a:fillRef idx="1">
+            <a:schemeClr val="accent1"/>
+          </a:fillRef>
+          <a:effectRef idx="0">
+            <a:schemeClr val="accent1"/>
+          </a:effectRef>
+          <a:fontRef idx="minor">
+            <a:schemeClr val="lt1"/>
+          </a:fontRef>
+        </p:style>
+        <p:txBody>
+          <a:bodyPr rtlCol="0" anchor="ctr"/>
+          <a:lstStyle/>
+          <a:p>
+            <a:pPr algn="ctr"/>
+            <a:endParaRPr lang="en-US"/>
+          </a:p>
+        </p:txBody>
+      </p:sp>
+      <p:sp>
+        <p:nvSpPr>
+          <p:cNvPr id="25" name="Right Arrow 24"/>
+          <p:cNvSpPr/>
+          <p:nvPr/>
+        </p:nvSpPr>
+        <p:spPr>
+          <a:xfrm>
+            <a:off x="2117030" y="3866584"/>
+            <a:ext cx="362780" cy="184666"/>
+          </a:xfrm>
+          <a:prstGeom prst="rightArrow">
+            <a:avLst/>
+          </a:prstGeom>
+          <a:solidFill>
+            <a:schemeClr val="accent2">
+              <a:lumMod val="75000"/>
+            </a:schemeClr>
+          </a:solidFill>
+        </p:spPr>
+        <p:style>
+          <a:lnRef idx="2">
+            <a:schemeClr val="accent1">
+              <a:shade val="50000"/>
+            </a:schemeClr>
+          </a:lnRef>
+          <a:fillRef idx="1">
+            <a:schemeClr val="accent1"/>
+          </a:fillRef>
+          <a:effectRef idx="0">
+            <a:schemeClr val="accent1"/>
+          </a:effectRef>
+          <a:fontRef idx="minor">
+            <a:schemeClr val="lt1"/>
+          </a:fontRef>
+        </p:style>
+        <p:txBody>
+          <a:bodyPr rtlCol="0" anchor="ctr"/>
+          <a:lstStyle/>
+          <a:p>
+            <a:pPr algn="ctr"/>
+            <a:endParaRPr lang="en-US"/>
+          </a:p>
+        </p:txBody>
+      </p:sp>
+      <p:sp>
+        <p:nvSpPr>
+          <p:cNvPr id="26" name="TextBox 25"/>
+          <p:cNvSpPr txBox="1"/>
+          <p:nvPr/>
+        </p:nvSpPr>
+        <p:spPr>
+          <a:xfrm>
+            <a:off x="2902224" y="4160832"/>
+            <a:ext cx="3876263" cy="369332"/>
+          </a:xfrm>
+          <a:prstGeom prst="rect">
+            <a:avLst/>
+          </a:prstGeom>
+          <a:noFill/>
+        </p:spPr>
+        <p:txBody>
+          <a:bodyPr wrap="square" rtlCol="0">
+            <a:spAutoFit/>
+          </a:bodyPr>
+          <a:lstStyle/>
+          <a:p>
+            <a:r>
+              <a:rPr lang="ja-JP" altLang="en-US" dirty="0" smtClean="0"/>
+              <a:t>プレイヤ</a:t>
+            </a:r>
+            <a:r>
+              <a:rPr lang="en-US" altLang="ja-JP" dirty="0"/>
+              <a:t>4</a:t>
+            </a:r>
+            <a:r>
+              <a:rPr lang="ja-JP" altLang="en-US" dirty="0"/>
+              <a:t>方向移</a:t>
+            </a:r>
+            <a:r>
+              <a:rPr lang="ja-JP" altLang="en-US" dirty="0" smtClean="0"/>
+              <a:t>動ア</a:t>
+            </a:r>
+            <a:r>
+              <a:rPr lang="ja-JP" altLang="en-US" dirty="0"/>
+              <a:t>ニ</a:t>
+            </a:r>
+            <a:r>
+              <a:rPr lang="ja-JP" altLang="en-US" dirty="0" smtClean="0"/>
+              <a:t>メ</a:t>
+            </a:r>
+            <a:r>
+              <a:rPr lang="ja-JP" altLang="en-US" dirty="0"/>
+              <a:t>ーショ</a:t>
+            </a:r>
+            <a:r>
+              <a:rPr lang="ja-JP" altLang="en-US" dirty="0" smtClean="0"/>
+              <a:t>ン</a:t>
+            </a:r>
+            <a:endParaRPr lang="en-US" dirty="0"/>
+          </a:p>
+        </p:txBody>
+      </p:sp>
+      <p:sp>
+        <p:nvSpPr>
+          <p:cNvPr id="27" name="Right Arrow 26"/>
+          <p:cNvSpPr/>
+          <p:nvPr/>
+        </p:nvSpPr>
+        <p:spPr>
+          <a:xfrm>
+            <a:off x="2539446" y="4237807"/>
+            <a:ext cx="362778" cy="192139"/>
+          </a:xfrm>
+          <a:prstGeom prst="rightArrow">
+            <a:avLst/>
+          </a:prstGeom>
+          <a:solidFill>
+            <a:srgbClr val="92D050"/>
+          </a:solidFill>
+        </p:spPr>
+        <p:style>
+          <a:lnRef idx="2">
+            <a:schemeClr val="accent1">
+              <a:shade val="50000"/>
+            </a:schemeClr>
+          </a:lnRef>
+          <a:fillRef idx="1">
+            <a:schemeClr val="accent1"/>
+          </a:fillRef>
+          <a:effectRef idx="0">
+            <a:schemeClr val="accent1"/>
+          </a:effectRef>
+          <a:fontRef idx="minor">
+            <a:schemeClr val="lt1"/>
+          </a:fontRef>
+        </p:style>
+        <p:txBody>
+          <a:bodyPr rtlCol="0" anchor="ctr"/>
+          <a:lstStyle/>
+          <a:p>
+            <a:pPr algn="ctr"/>
+            <a:endParaRPr lang="en-US"/>
+          </a:p>
+        </p:txBody>
+      </p:sp>
+      <p:sp>
+        <p:nvSpPr>
+          <p:cNvPr id="28" name="TextBox 27"/>
+          <p:cNvSpPr txBox="1"/>
+          <p:nvPr/>
+        </p:nvSpPr>
+        <p:spPr>
+          <a:xfrm>
+            <a:off x="2902224" y="4568174"/>
+            <a:ext cx="3876263" cy="369332"/>
+          </a:xfrm>
+          <a:prstGeom prst="rect">
+            <a:avLst/>
+          </a:prstGeom>
+          <a:noFill/>
+        </p:spPr>
+        <p:txBody>
+          <a:bodyPr wrap="square" rtlCol="0">
+            <a:spAutoFit/>
+          </a:bodyPr>
+          <a:lstStyle/>
+          <a:p>
+            <a:r>
+              <a:rPr lang="ja-JP" altLang="en-US" dirty="0" smtClean="0"/>
+              <a:t>プレイヤアタックア</a:t>
+            </a:r>
+            <a:r>
+              <a:rPr lang="ja-JP" altLang="en-US" dirty="0"/>
+              <a:t>ニ</a:t>
+            </a:r>
+            <a:r>
+              <a:rPr lang="ja-JP" altLang="en-US" dirty="0" smtClean="0"/>
+              <a:t>メ</a:t>
+            </a:r>
+            <a:r>
+              <a:rPr lang="ja-JP" altLang="en-US" dirty="0"/>
+              <a:t>ーショ</a:t>
+            </a:r>
+            <a:r>
+              <a:rPr lang="ja-JP" altLang="en-US" dirty="0" smtClean="0"/>
+              <a:t>ン</a:t>
+            </a:r>
+            <a:endParaRPr lang="en-US" dirty="0"/>
+          </a:p>
+        </p:txBody>
+      </p:sp>
+      <p:sp>
+        <p:nvSpPr>
+          <p:cNvPr id="29" name="TextBox 28"/>
+          <p:cNvSpPr txBox="1"/>
+          <p:nvPr/>
+        </p:nvSpPr>
+        <p:spPr>
+          <a:xfrm>
+            <a:off x="2902223" y="2210916"/>
+            <a:ext cx="3876263" cy="369332"/>
+          </a:xfrm>
+          <a:prstGeom prst="rect">
+            <a:avLst/>
+          </a:prstGeom>
+          <a:noFill/>
+        </p:spPr>
+        <p:txBody>
+          <a:bodyPr wrap="square" rtlCol="0">
+            <a:spAutoFit/>
+          </a:bodyPr>
+          <a:lstStyle/>
+          <a:p>
+            <a:r>
+              <a:rPr lang="ja-JP" altLang="en-US" dirty="0" smtClean="0"/>
+              <a:t>プレイヤアタック制御</a:t>
+            </a:r>
+            <a:endParaRPr lang="en-US" dirty="0"/>
+          </a:p>
+        </p:txBody>
+      </p:sp>
+      <p:sp>
+        <p:nvSpPr>
+          <p:cNvPr id="30" name="Right Arrow 29"/>
+          <p:cNvSpPr/>
+          <p:nvPr/>
+        </p:nvSpPr>
+        <p:spPr>
+          <a:xfrm>
+            <a:off x="2539445" y="2291904"/>
+            <a:ext cx="362778" cy="192139"/>
+          </a:xfrm>
+          <a:prstGeom prst="rightArrow">
+            <a:avLst/>
+          </a:prstGeom>
+          <a:solidFill>
+            <a:srgbClr val="92D050"/>
+          </a:solidFill>
+        </p:spPr>
+        <p:style>
+          <a:lnRef idx="2">
+            <a:schemeClr val="accent1">
+              <a:shade val="50000"/>
+            </a:schemeClr>
+          </a:lnRef>
+          <a:fillRef idx="1">
+            <a:schemeClr val="accent1"/>
+          </a:fillRef>
+          <a:effectRef idx="0">
+            <a:schemeClr val="accent1"/>
+          </a:effectRef>
+          <a:fontRef idx="minor">
+            <a:schemeClr val="lt1"/>
+          </a:fontRef>
+        </p:style>
+        <p:txBody>
+          <a:bodyPr rtlCol="0" anchor="ctr"/>
+          <a:lstStyle/>
+          <a:p>
+            <a:pPr algn="ctr"/>
+            <a:endParaRPr lang="en-US"/>
+          </a:p>
+        </p:txBody>
+      </p:sp>
+    </p:spTree>
+    <p:extLst>
+      <p:ext uri="{BB962C8B-B14F-4D97-AF65-F5344CB8AC3E}">
+        <p14:creationId xmlns:p14="http://schemas.microsoft.com/office/powerpoint/2010/main" val="3443400646"/>
+      </p:ext>
+    </p:extLst>
+  </p:cSld>
+  <p:clrMapOvr>
+    <a:masterClrMapping/>
+  </p:clrMapOvr>
+</p:sld>
+</file>
+
+<file path=ppt/slides/slide24.xml><?xml version="1.0" encoding="utf-8"?>
+<p:sld xmlns:a="http://schemas.openxmlformats.org/drawingml/2006/main" xmlns:r="http://schemas.openxmlformats.org/officeDocument/2006/relationships" xmlns:p="http://schemas.openxmlformats.org/presentationml/2006/main">
+  <p:cSld>
+    <p:spTree>
+      <p:nvGrpSpPr>
+        <p:cNvPr id="1" name=""/>
+        <p:cNvGrpSpPr/>
+        <p:nvPr/>
+      </p:nvGrpSpPr>
+      <p:grpSpPr>
+        <a:xfrm>
+          <a:off x="0" y="0"/>
+          <a:ext cx="0" cy="0"/>
+          <a:chOff x="0" y="0"/>
+          <a:chExt cx="0" cy="0"/>
+        </a:xfrm>
+      </p:grpSpPr>
+      <p:pic>
+        <p:nvPicPr>
+          <p:cNvPr id="1026" name="Picture 2" descr="Criminal with covered head - Free people icons"/>
+          <p:cNvPicPr>
+            <a:picLocks noChangeAspect="1" noChangeArrowheads="1"/>
+          </p:cNvPicPr>
+          <p:nvPr/>
+        </p:nvPicPr>
+        <p:blipFill>
+          <a:blip r:embed="rId2" cstate="print">
+            <a:extLst>
+              <a:ext uri="{28A0092B-C50C-407E-A947-70E740481C1C}">
+                <a14:useLocalDpi xmlns:a14="http://schemas.microsoft.com/office/drawing/2010/main" val="0"/>
+              </a:ext>
+            </a:extLst>
+          </a:blip>
+          <a:srcRect/>
+          <a:stretch>
+            <a:fillRect/>
+          </a:stretch>
+        </p:blipFill>
+        <p:spPr bwMode="auto">
+          <a:xfrm>
+            <a:off x="9551504" y="1362421"/>
+            <a:ext cx="957331" cy="957331"/>
+          </a:xfrm>
+          <a:prstGeom prst="rect">
+            <a:avLst/>
+          </a:prstGeom>
+          <a:noFill/>
+          <a:extLst>
+            <a:ext uri="{909E8E84-426E-40DD-AFC4-6F175D3DCCD1}">
+              <a14:hiddenFill xmlns:a14="http://schemas.microsoft.com/office/drawing/2010/main">
+                <a:solidFill>
+                  <a:srgbClr val="FFFFFF"/>
+                </a:solidFill>
+              </a14:hiddenFill>
+            </a:ext>
+          </a:extLst>
+        </p:spPr>
+      </p:pic>
+      <p:pic>
+        <p:nvPicPr>
+          <p:cNvPr id="1028" name="Picture 4" descr="Guard, helmet, police, policeman, riot, security, weapon icon"/>
+          <p:cNvPicPr>
+            <a:picLocks noChangeAspect="1" noChangeArrowheads="1"/>
+          </p:cNvPicPr>
+          <p:nvPr/>
+        </p:nvPicPr>
+        <p:blipFill>
+          <a:blip r:embed="rId3" cstate="print">
+            <a:extLst>
+              <a:ext uri="{28A0092B-C50C-407E-A947-70E740481C1C}">
+                <a14:useLocalDpi xmlns:a14="http://schemas.microsoft.com/office/drawing/2010/main" val="0"/>
+              </a:ext>
+            </a:extLst>
+          </a:blip>
+          <a:srcRect/>
+          <a:stretch>
+            <a:fillRect/>
+          </a:stretch>
+        </p:blipFill>
+        <p:spPr bwMode="auto">
+          <a:xfrm>
+            <a:off x="1763416" y="1064626"/>
+            <a:ext cx="715479" cy="1205018"/>
+          </a:xfrm>
+          <a:prstGeom prst="rect">
+            <a:avLst/>
+          </a:prstGeom>
+          <a:noFill/>
+          <a:extLst>
+            <a:ext uri="{909E8E84-426E-40DD-AFC4-6F175D3DCCD1}">
+              <a14:hiddenFill xmlns:a14="http://schemas.microsoft.com/office/drawing/2010/main">
+                <a:solidFill>
+                  <a:srgbClr val="FFFFFF"/>
+                </a:solidFill>
+              </a14:hiddenFill>
+            </a:ext>
+          </a:extLst>
+        </p:spPr>
+      </p:pic>
+      <p:pic>
+        <p:nvPicPr>
+          <p:cNvPr id="6" name="Picture 6" descr="https://external-content.duckduckgo.com/iu/?u=https%3A%2F%2Ftse1.mm.bing.net%2Fth%3Fid%3DOIP.Fzl7S98H5cbRWqFn--aw6gHaHa%26pid%3DApi&amp;f=1"/>
+          <p:cNvPicPr>
+            <a:picLocks noChangeAspect="1" noChangeArrowheads="1"/>
+          </p:cNvPicPr>
+          <p:nvPr/>
+        </p:nvPicPr>
+        <p:blipFill>
+          <a:blip r:embed="rId4" cstate="print">
+            <a:extLst>
+              <a:ext uri="{28A0092B-C50C-407E-A947-70E740481C1C}">
+                <a14:useLocalDpi xmlns:a14="http://schemas.microsoft.com/office/drawing/2010/main" val="0"/>
+              </a:ext>
+            </a:extLst>
+          </a:blip>
+          <a:srcRect/>
+          <a:stretch>
+            <a:fillRect/>
+          </a:stretch>
+        </p:blipFill>
+        <p:spPr bwMode="auto">
+          <a:xfrm>
+            <a:off x="8018981" y="1396882"/>
+            <a:ext cx="540505" cy="540505"/>
+          </a:xfrm>
+          <a:prstGeom prst="rect">
+            <a:avLst/>
+          </a:prstGeom>
+          <a:noFill/>
+          <a:extLst>
+            <a:ext uri="{909E8E84-426E-40DD-AFC4-6F175D3DCCD1}">
+              <a14:hiddenFill xmlns:a14="http://schemas.microsoft.com/office/drawing/2010/main">
+                <a:solidFill>
+                  <a:srgbClr val="FFFFFF"/>
+                </a:solidFill>
+              </a14:hiddenFill>
+            </a:ext>
+          </a:extLst>
+        </p:spPr>
+      </p:pic>
+      <p:sp>
+        <p:nvSpPr>
+          <p:cNvPr id="4" name="Rectangle 3"/>
+          <p:cNvSpPr/>
+          <p:nvPr/>
+        </p:nvSpPr>
+        <p:spPr>
+          <a:xfrm>
+            <a:off x="2825008" y="439091"/>
+            <a:ext cx="6096000" cy="923330"/>
+          </a:xfrm>
+          <a:prstGeom prst="rect">
+            <a:avLst/>
+          </a:prstGeom>
+        </p:spPr>
+        <p:txBody>
+          <a:bodyPr>
+            <a:spAutoFit/>
+          </a:bodyPr>
+          <a:lstStyle/>
+          <a:p>
+            <a:r>
+              <a:rPr lang="en-US" dirty="0"/>
+              <a:t>敵が武器を投げて、プレイヤーがキャッチシステムをアクティブにしないと、プレイヤーがやられてしまいます。</a:t>
+            </a:r>
+          </a:p>
+        </p:txBody>
+      </p:sp>
+      <p:pic>
+        <p:nvPicPr>
+          <p:cNvPr id="1030" name="Picture 6" descr="Angry, annoyed, cringe, emoji, hurt, upset icon"/>
+          <p:cNvPicPr>
+            <a:picLocks noChangeAspect="1" noChangeArrowheads="1"/>
+          </p:cNvPicPr>
+          <p:nvPr/>
+        </p:nvPicPr>
+        <p:blipFill>
+          <a:blip r:embed="rId5" cstate="print">
+            <a:extLst>
+              <a:ext uri="{28A0092B-C50C-407E-A947-70E740481C1C}">
+                <a14:useLocalDpi xmlns:a14="http://schemas.microsoft.com/office/drawing/2010/main" val="0"/>
+              </a:ext>
+            </a:extLst>
+          </a:blip>
+          <a:srcRect/>
+          <a:stretch>
+            <a:fillRect/>
+          </a:stretch>
+        </p:blipFill>
+        <p:spPr bwMode="auto">
+          <a:xfrm>
+            <a:off x="9690271" y="1022523"/>
+            <a:ext cx="679796" cy="679796"/>
+          </a:xfrm>
+          <a:prstGeom prst="rect">
+            <a:avLst/>
+          </a:prstGeom>
+          <a:noFill/>
+          <a:extLst>
+            <a:ext uri="{909E8E84-426E-40DD-AFC4-6F175D3DCCD1}">
+              <a14:hiddenFill xmlns:a14="http://schemas.microsoft.com/office/drawing/2010/main">
+                <a:solidFill>
+                  <a:srgbClr val="FFFFFF"/>
+                </a:solidFill>
+              </a14:hiddenFill>
+            </a:ext>
+          </a:extLst>
+        </p:spPr>
+      </p:pic>
+    </p:spTree>
+    <p:extLst>
+      <p:ext uri="{BB962C8B-B14F-4D97-AF65-F5344CB8AC3E}">
+        <p14:creationId xmlns:p14="http://schemas.microsoft.com/office/powerpoint/2010/main" val="108615842"/>
+      </p:ext>
+    </p:extLst>
+  </p:cSld>
+  <p:clrMapOvr>
+    <a:masterClrMapping/>
+  </p:clrMapOvr>
+</p:sld>
+</file>
+
 <file path=ppt/slides/slide3.xml><?xml version="1.0" encoding="utf-8"?>
 <p:sld xmlns:a="http://schemas.openxmlformats.org/drawingml/2006/main" xmlns:r="http://schemas.openxmlformats.org/officeDocument/2006/relationships" xmlns:p="http://schemas.openxmlformats.org/presentationml/2006/main">
   <p:cSld>

--- a/GameProject/すみませんASOゲームショウまでに間に合いませんでした.pptx
+++ b/GameProject/すみませんASOゲームショウまでに間に合いませんでした.pptx
@@ -28,7 +28,8 @@
     <p:sldId id="275" r:id="rId22"/>
     <p:sldId id="277" r:id="rId23"/>
     <p:sldId id="279" r:id="rId24"/>
-    <p:sldId id="278" r:id="rId25"/>
+    <p:sldId id="280" r:id="rId25"/>
+    <p:sldId id="278" r:id="rId26"/>
   </p:sldIdLst>
   <p:sldSz cx="12192000" cy="6858000"/>
   <p:notesSz cx="6858000" cy="9144000"/>
@@ -128,6 +129,39 @@
     </a:lvl9pPr>
   </p:defaultTextStyle>
   <p:extLst>
+    <p:ext uri="{521415D9-36F7-43E2-AB2F-B90AF26B5E84}">
+      <p14:sectionLst xmlns:p14="http://schemas.microsoft.com/office/powerpoint/2010/main">
+        <p14:section name="Default Section" id="{784FCB77-BED1-43CA-9D1A-6F85500EB134}">
+          <p14:sldIdLst>
+            <p14:sldId id="256"/>
+            <p14:sldId id="257"/>
+            <p14:sldId id="258"/>
+            <p14:sldId id="259"/>
+            <p14:sldId id="260"/>
+            <p14:sldId id="262"/>
+            <p14:sldId id="261"/>
+            <p14:sldId id="263"/>
+            <p14:sldId id="264"/>
+            <p14:sldId id="265"/>
+            <p14:sldId id="266"/>
+            <p14:sldId id="267"/>
+            <p14:sldId id="268"/>
+            <p14:sldId id="269"/>
+            <p14:sldId id="270"/>
+            <p14:sldId id="271"/>
+            <p14:sldId id="272"/>
+            <p14:sldId id="273"/>
+            <p14:sldId id="274"/>
+            <p14:sldId id="276"/>
+            <p14:sldId id="275"/>
+            <p14:sldId id="277"/>
+            <p14:sldId id="279"/>
+            <p14:sldId id="280"/>
+            <p14:sldId id="278"/>
+          </p14:sldIdLst>
+        </p14:section>
+      </p14:sectionLst>
+    </p:ext>
     <p:ext uri="{EFAFB233-063F-42B5-8137-9DF3F51BA10A}">
       <p15:sldGuideLst xmlns:p15="http://schemas.microsoft.com/office/powerpoint/2012/main"/>
     </p:ext>
@@ -19734,7 +19768,11 @@
               <a:t>プレイヤ</a:t>
             </a:r>
             <a:r>
-              <a:rPr lang="en-US" altLang="ja-JP" dirty="0" smtClean="0"/>
+              <a:rPr lang="en-US" altLang="ja-JP" b="1" dirty="0" smtClean="0">
+                <a:solidFill>
+                  <a:srgbClr val="FF0000"/>
+                </a:solidFill>
+              </a:rPr>
               <a:t>8</a:t>
             </a:r>
             <a:r>
@@ -20055,7 +20093,11 @@
               <a:t>プレイヤ</a:t>
             </a:r>
             <a:r>
-              <a:rPr lang="en-US" altLang="ja-JP" dirty="0"/>
+              <a:rPr lang="en-US" altLang="ja-JP" b="1" dirty="0">
+                <a:solidFill>
+                  <a:schemeClr val="bg1"/>
+                </a:solidFill>
+              </a:rPr>
               <a:t>4</a:t>
             </a:r>
             <a:r>
@@ -20262,6 +20304,70 @@
 </file>
 
 <file path=ppt/slides/slide24.xml><?xml version="1.0" encoding="utf-8"?>
+<p:sld xmlns:a="http://schemas.openxmlformats.org/drawingml/2006/main" xmlns:r="http://schemas.openxmlformats.org/officeDocument/2006/relationships" xmlns:p="http://schemas.openxmlformats.org/presentationml/2006/main">
+  <p:cSld>
+    <p:spTree>
+      <p:nvGrpSpPr>
+        <p:cNvPr id="1" name=""/>
+        <p:cNvGrpSpPr/>
+        <p:nvPr/>
+      </p:nvGrpSpPr>
+      <p:grpSpPr>
+        <a:xfrm>
+          <a:off x="0" y="0"/>
+          <a:ext cx="0" cy="0"/>
+          <a:chOff x="0" y="0"/>
+          <a:chExt cx="0" cy="0"/>
+        </a:xfrm>
+      </p:grpSpPr>
+      <p:sp>
+        <p:nvSpPr>
+          <p:cNvPr id="4" name="Rectangle 3"/>
+          <p:cNvSpPr/>
+          <p:nvPr/>
+        </p:nvSpPr>
+        <p:spPr>
+          <a:xfrm>
+            <a:off x="2117033" y="1728375"/>
+            <a:ext cx="6096000" cy="3108543"/>
+          </a:xfrm>
+          <a:prstGeom prst="rect">
+            <a:avLst/>
+          </a:prstGeom>
+        </p:spPr>
+        <p:txBody>
+          <a:bodyPr>
+            <a:spAutoFit/>
+          </a:bodyPr>
+          <a:lstStyle/>
+          <a:p>
+            <a:r>
+              <a:rPr lang="ja-JP" altLang="en-US" sz="2800" dirty="0">
+                <a:latin typeface="Segoe UI" panose="020B0502040204020203" pitchFamily="34" charset="0"/>
+              </a:rPr>
+              <a:t>企画の仕事はチェックリストのようなものだと思うので、そこにすべての仕事を書かなければなりません。プログラムやグラフィックは実際の仕事で、各タスクの時間や最初に何をすべきかなど、実際の仕事を管理します。</a:t>
+            </a:r>
+            <a:endParaRPr lang="ja-JP" altLang="en-US" sz="2800" b="0" i="0" dirty="0">
+              <a:effectLst/>
+              <a:latin typeface="Segoe UI" panose="020B0502040204020203" pitchFamily="34" charset="0"/>
+            </a:endParaRPr>
+          </a:p>
+        </p:txBody>
+      </p:sp>
+    </p:spTree>
+    <p:extLst>
+      <p:ext uri="{BB962C8B-B14F-4D97-AF65-F5344CB8AC3E}">
+        <p14:creationId xmlns:p14="http://schemas.microsoft.com/office/powerpoint/2010/main" val="1608075975"/>
+      </p:ext>
+    </p:extLst>
+  </p:cSld>
+  <p:clrMapOvr>
+    <a:masterClrMapping/>
+  </p:clrMapOvr>
+</p:sld>
+</file>
+
+<file path=ppt/slides/slide25.xml><?xml version="1.0" encoding="utf-8"?>
 <p:sld xmlns:a="http://schemas.openxmlformats.org/drawingml/2006/main" xmlns:r="http://schemas.openxmlformats.org/officeDocument/2006/relationships" xmlns:p="http://schemas.openxmlformats.org/presentationml/2006/main">
   <p:cSld>
     <p:spTree>
